--- a/face_recognition/Portfolio.pptx
+++ b/face_recognition/Portfolio.pptx
@@ -2372,15 +2372,7 @@
           <a:p>
             <a:r>
               <a:rPr lang="ko-KR" altLang="en-US" dirty="0" smtClean="0"/>
-              <a:t>예측 </a:t>
-            </a:r>
-            <a:r>
-              <a:rPr lang="ko-KR" altLang="en-US" dirty="0" smtClean="0"/>
-              <a:t>정확도가 </a:t>
-            </a:r>
-            <a:r>
-              <a:rPr lang="ko-KR" altLang="en-US" dirty="0" smtClean="0"/>
-              <a:t>다소 아쉬움</a:t>
+              <a:t>예측 정확도가 다소 아쉬움</a:t>
             </a:r>
             <a:endParaRPr lang="en-US" altLang="ko-KR" dirty="0" smtClean="0"/>
           </a:p>
@@ -3483,6 +3475,61 @@
           </a:p>
         </p:txBody>
       </p:sp>
+      <p:sp>
+        <p:nvSpPr>
+          <p:cNvPr id="7" name="TextBox 6"/>
+          <p:cNvSpPr txBox="1"/>
+          <p:nvPr/>
+        </p:nvSpPr>
+        <p:spPr>
+          <a:xfrm>
+            <a:off x="5593977" y="7308013"/>
+            <a:ext cx="8458200" cy="646331"/>
+          </a:xfrm>
+          <a:prstGeom prst="rect">
+            <a:avLst/>
+          </a:prstGeom>
+          <a:noFill/>
+        </p:spPr>
+        <p:txBody>
+          <a:bodyPr wrap="square" rtlCol="0">
+            <a:spAutoFit/>
+          </a:bodyPr>
+          <a:lstStyle/>
+          <a:p>
+            <a:r>
+              <a:rPr lang="ko-KR" altLang="en-US" dirty="0" smtClean="0"/>
+              <a:t>전체 코드 </a:t>
+            </a:r>
+            <a:r>
+              <a:rPr lang="en-US" altLang="ko-KR" dirty="0"/>
+              <a:t>- </a:t>
+            </a:r>
+            <a:r>
+              <a:rPr lang="en-US" altLang="ko-KR" dirty="0">
+                <a:hlinkClick r:id="rId4"/>
+              </a:rPr>
+              <a:t>https://</a:t>
+            </a:r>
+            <a:r>
+              <a:rPr lang="en-US" altLang="ko-KR" dirty="0" smtClean="0">
+                <a:hlinkClick r:id="rId4"/>
+              </a:rPr>
+              <a:t>github.com/Jeong-Seongwon/portfolio/tree/main/face_recogni</a:t>
+            </a:r>
+            <a:r>
+              <a:rPr lang="en-US" altLang="ko-KR" dirty="0" smtClean="0">
+                <a:hlinkClick r:id="rId4"/>
+              </a:rPr>
+              <a:t>tion</a:t>
+            </a:r>
+            <a:endParaRPr lang="en-US" altLang="ko-KR" dirty="0" smtClean="0"/>
+          </a:p>
+          <a:p>
+            <a:endParaRPr lang="en-US" altLang="ko-KR" dirty="0" smtClean="0"/>
+          </a:p>
+        </p:txBody>
+      </p:sp>
     </p:spTree>
   </p:cSld>
   <p:clrMapOvr>
@@ -3961,6 +4008,13 @@
   <p:clrMapOvr>
     <a:masterClrMapping/>
   </p:clrMapOvr>
+  <p:timing>
+    <p:tnLst>
+      <p:par>
+        <p:cTn id="1" dur="indefinite" restart="never" nodeType="tmRoot"/>
+      </p:par>
+    </p:tnLst>
+  </p:timing>
 </p:sld>
 </file>
 
@@ -4286,12 +4340,18 @@
               <a:rPr lang="en-US" altLang="ko-KR" dirty="0" smtClean="0">
                 <a:hlinkClick r:id="rId5"/>
               </a:rPr>
-              <a:t>github.com/Jeong-Seongwon/portfolio/tree/main/face_recognize</a:t>
+              <a:t>github.com/Jeong-Seongwon/portfolio/tree/main/face_recogni</a:t>
+            </a:r>
+            <a:r>
+              <a:rPr lang="en-US" altLang="ko-KR" dirty="0" smtClean="0">
+                <a:hlinkClick r:id="rId5"/>
+              </a:rPr>
+              <a:t>tion</a:t>
             </a:r>
             <a:endParaRPr lang="en-US" altLang="ko-KR" dirty="0" smtClean="0"/>
           </a:p>
           <a:p>
-            <a:endParaRPr lang="ko-KR" altLang="en-US" dirty="0"/>
+            <a:endParaRPr lang="en-US" altLang="ko-KR" dirty="0" smtClean="0"/>
           </a:p>
         </p:txBody>
       </p:sp>
@@ -4300,6 +4360,13 @@
   <p:clrMapOvr>
     <a:masterClrMapping/>
   </p:clrMapOvr>
+  <p:timing>
+    <p:tnLst>
+      <p:par>
+        <p:cTn id="1" dur="indefinite" restart="never" nodeType="tmRoot"/>
+      </p:par>
+    </p:tnLst>
+  </p:timing>
 </p:sld>
 </file>
 
@@ -4630,55 +4697,6 @@
           </a:p>
         </p:txBody>
       </p:sp>
-      <p:sp>
-        <p:nvSpPr>
-          <p:cNvPr id="10" name="TextBox 9"/>
-          <p:cNvSpPr txBox="1"/>
-          <p:nvPr/>
-        </p:nvSpPr>
-        <p:spPr>
-          <a:xfrm>
-            <a:off x="5593977" y="7308013"/>
-            <a:ext cx="8458200" cy="646331"/>
-          </a:xfrm>
-          <a:prstGeom prst="rect">
-            <a:avLst/>
-          </a:prstGeom>
-          <a:noFill/>
-        </p:spPr>
-        <p:txBody>
-          <a:bodyPr wrap="square" rtlCol="0">
-            <a:spAutoFit/>
-          </a:bodyPr>
-          <a:lstStyle/>
-          <a:p>
-            <a:r>
-              <a:rPr lang="ko-KR" altLang="en-US" dirty="0" smtClean="0"/>
-              <a:t>전체 코드 </a:t>
-            </a:r>
-            <a:r>
-              <a:rPr lang="en-US" altLang="ko-KR" dirty="0"/>
-              <a:t>- </a:t>
-            </a:r>
-            <a:r>
-              <a:rPr lang="en-US" altLang="ko-KR" dirty="0">
-                <a:hlinkClick r:id="rId4"/>
-              </a:rPr>
-              <a:t>https://</a:t>
-            </a:r>
-            <a:r>
-              <a:rPr lang="en-US" altLang="ko-KR" dirty="0" smtClean="0">
-                <a:hlinkClick r:id="rId4"/>
-              </a:rPr>
-              <a:t>github.com/Jeong-Seongwon/portfolio/tree/main/face_recognize</a:t>
-            </a:r>
-            <a:endParaRPr lang="en-US" altLang="ko-KR" dirty="0" smtClean="0"/>
-          </a:p>
-          <a:p>
-            <a:endParaRPr lang="ko-KR" altLang="en-US" dirty="0"/>
-          </a:p>
-        </p:txBody>
-      </p:sp>
       <p:pic>
         <p:nvPicPr>
           <p:cNvPr id="11" name="그림 10"/>
@@ -4688,7 +4706,7 @@
           <p:nvPr/>
         </p:nvPicPr>
         <p:blipFill>
-          <a:blip r:embed="rId5"/>
+          <a:blip r:embed="rId4"/>
           <a:stretch>
             <a:fillRect/>
           </a:stretch>
@@ -4730,6 +4748,61 @@
               <a:t>↑영상에서 얼굴 사진 찍는 코드</a:t>
             </a:r>
             <a:endParaRPr lang="ko-KR" altLang="en-US" sz="1400" dirty="0"/>
+          </a:p>
+        </p:txBody>
+      </p:sp>
+      <p:sp>
+        <p:nvSpPr>
+          <p:cNvPr id="13" name="TextBox 12"/>
+          <p:cNvSpPr txBox="1"/>
+          <p:nvPr/>
+        </p:nvSpPr>
+        <p:spPr>
+          <a:xfrm>
+            <a:off x="5593977" y="7308013"/>
+            <a:ext cx="8458200" cy="646331"/>
+          </a:xfrm>
+          <a:prstGeom prst="rect">
+            <a:avLst/>
+          </a:prstGeom>
+          <a:noFill/>
+        </p:spPr>
+        <p:txBody>
+          <a:bodyPr wrap="square" rtlCol="0">
+            <a:spAutoFit/>
+          </a:bodyPr>
+          <a:lstStyle/>
+          <a:p>
+            <a:r>
+              <a:rPr lang="ko-KR" altLang="en-US" dirty="0" smtClean="0"/>
+              <a:t>전체 코드 </a:t>
+            </a:r>
+            <a:r>
+              <a:rPr lang="en-US" altLang="ko-KR" dirty="0"/>
+              <a:t>- </a:t>
+            </a:r>
+            <a:r>
+              <a:rPr lang="en-US" altLang="ko-KR" dirty="0">
+                <a:hlinkClick r:id="rId5"/>
+              </a:rPr>
+              <a:t>https://</a:t>
+            </a:r>
+            <a:r>
+              <a:rPr lang="en-US" altLang="ko-KR" dirty="0" smtClean="0">
+                <a:hlinkClick r:id="rId5"/>
+              </a:rPr>
+              <a:t>github.com/Jeong-Seongwon/portfolio/tree/main/face_recogni</a:t>
+            </a:r>
+            <a:r>
+              <a:rPr lang="en-US" altLang="ko-KR" dirty="0" smtClean="0">
+                <a:hlinkClick r:id="rId5"/>
+              </a:rPr>
+              <a:t>tion</a:t>
+            </a:r>
+            <a:endParaRPr lang="en-US" altLang="ko-KR" dirty="0" smtClean="0"/>
+          </a:p>
+          <a:p>
+            <a:endParaRPr lang="en-US" altLang="ko-KR" dirty="0" smtClean="0"/>
           </a:p>
         </p:txBody>
       </p:sp>
@@ -4738,6 +4811,13 @@
   <p:clrMapOvr>
     <a:masterClrMapping/>
   </p:clrMapOvr>
+  <p:timing>
+    <p:tnLst>
+      <p:par>
+        <p:cTn id="1" dur="indefinite" restart="never" nodeType="tmRoot"/>
+      </p:par>
+    </p:tnLst>
+  </p:timing>
 </p:sld>
 </file>
 
@@ -5322,55 +5402,6 @@
           </a:p>
         </p:txBody>
       </p:sp>
-      <p:sp>
-        <p:nvSpPr>
-          <p:cNvPr id="9" name="TextBox 8"/>
-          <p:cNvSpPr txBox="1"/>
-          <p:nvPr/>
-        </p:nvSpPr>
-        <p:spPr>
-          <a:xfrm>
-            <a:off x="5593977" y="7308013"/>
-            <a:ext cx="8458200" cy="646331"/>
-          </a:xfrm>
-          <a:prstGeom prst="rect">
-            <a:avLst/>
-          </a:prstGeom>
-          <a:noFill/>
-        </p:spPr>
-        <p:txBody>
-          <a:bodyPr wrap="square" rtlCol="0">
-            <a:spAutoFit/>
-          </a:bodyPr>
-          <a:lstStyle/>
-          <a:p>
-            <a:r>
-              <a:rPr lang="ko-KR" altLang="en-US" dirty="0" smtClean="0"/>
-              <a:t>전체 코드 </a:t>
-            </a:r>
-            <a:r>
-              <a:rPr lang="en-US" altLang="ko-KR" dirty="0"/>
-              <a:t>- </a:t>
-            </a:r>
-            <a:r>
-              <a:rPr lang="en-US" altLang="ko-KR" dirty="0">
-                <a:hlinkClick r:id="rId4"/>
-              </a:rPr>
-              <a:t>https://</a:t>
-            </a:r>
-            <a:r>
-              <a:rPr lang="en-US" altLang="ko-KR" dirty="0" smtClean="0">
-                <a:hlinkClick r:id="rId4"/>
-              </a:rPr>
-              <a:t>github.com/Jeong-Seongwon/portfolio/tree/main/face_recognize</a:t>
-            </a:r>
-            <a:endParaRPr lang="en-US" altLang="ko-KR" dirty="0" smtClean="0"/>
-          </a:p>
-          <a:p>
-            <a:endParaRPr lang="ko-KR" altLang="en-US" dirty="0"/>
-          </a:p>
-        </p:txBody>
-      </p:sp>
       <p:pic>
         <p:nvPicPr>
           <p:cNvPr id="10" name="그림 9"/>
@@ -5380,7 +5411,7 @@
           <p:nvPr/>
         </p:nvPicPr>
         <p:blipFill>
-          <a:blip r:embed="rId5"/>
+          <a:blip r:embed="rId4"/>
           <a:stretch>
             <a:fillRect/>
           </a:stretch>
@@ -5395,6 +5426,61 @@
           </a:prstGeom>
         </p:spPr>
       </p:pic>
+      <p:sp>
+        <p:nvSpPr>
+          <p:cNvPr id="11" name="TextBox 10"/>
+          <p:cNvSpPr txBox="1"/>
+          <p:nvPr/>
+        </p:nvSpPr>
+        <p:spPr>
+          <a:xfrm>
+            <a:off x="5593977" y="7308013"/>
+            <a:ext cx="8458200" cy="646331"/>
+          </a:xfrm>
+          <a:prstGeom prst="rect">
+            <a:avLst/>
+          </a:prstGeom>
+          <a:noFill/>
+        </p:spPr>
+        <p:txBody>
+          <a:bodyPr wrap="square" rtlCol="0">
+            <a:spAutoFit/>
+          </a:bodyPr>
+          <a:lstStyle/>
+          <a:p>
+            <a:r>
+              <a:rPr lang="ko-KR" altLang="en-US" dirty="0" smtClean="0"/>
+              <a:t>전체 코드 </a:t>
+            </a:r>
+            <a:r>
+              <a:rPr lang="en-US" altLang="ko-KR" dirty="0"/>
+              <a:t>- </a:t>
+            </a:r>
+            <a:r>
+              <a:rPr lang="en-US" altLang="ko-KR" dirty="0">
+                <a:hlinkClick r:id="rId5"/>
+              </a:rPr>
+              <a:t>https://</a:t>
+            </a:r>
+            <a:r>
+              <a:rPr lang="en-US" altLang="ko-KR" dirty="0" smtClean="0">
+                <a:hlinkClick r:id="rId5"/>
+              </a:rPr>
+              <a:t>github.com/Jeong-Seongwon/portfolio/tree/main/face_recogni</a:t>
+            </a:r>
+            <a:r>
+              <a:rPr lang="en-US" altLang="ko-KR" dirty="0" smtClean="0">
+                <a:hlinkClick r:id="rId5"/>
+              </a:rPr>
+              <a:t>tion</a:t>
+            </a:r>
+            <a:endParaRPr lang="en-US" altLang="ko-KR" dirty="0" smtClean="0"/>
+          </a:p>
+          <a:p>
+            <a:endParaRPr lang="en-US" altLang="ko-KR" dirty="0" smtClean="0"/>
+          </a:p>
+        </p:txBody>
+      </p:sp>
     </p:spTree>
   </p:cSld>
   <p:clrMapOvr>
@@ -5652,6 +5738,61 @@
               <a:t>.</a:t>
             </a:r>
             <a:endParaRPr lang="ko-KR" altLang="en-US" dirty="0"/>
+          </a:p>
+        </p:txBody>
+      </p:sp>
+      <p:sp>
+        <p:nvSpPr>
+          <p:cNvPr id="10" name="TextBox 9"/>
+          <p:cNvSpPr txBox="1"/>
+          <p:nvPr/>
+        </p:nvSpPr>
+        <p:spPr>
+          <a:xfrm>
+            <a:off x="5593977" y="7308013"/>
+            <a:ext cx="8458200" cy="646331"/>
+          </a:xfrm>
+          <a:prstGeom prst="rect">
+            <a:avLst/>
+          </a:prstGeom>
+          <a:noFill/>
+        </p:spPr>
+        <p:txBody>
+          <a:bodyPr wrap="square" rtlCol="0">
+            <a:spAutoFit/>
+          </a:bodyPr>
+          <a:lstStyle/>
+          <a:p>
+            <a:r>
+              <a:rPr lang="ko-KR" altLang="en-US" dirty="0" smtClean="0"/>
+              <a:t>전체 코드 </a:t>
+            </a:r>
+            <a:r>
+              <a:rPr lang="en-US" altLang="ko-KR" dirty="0"/>
+              <a:t>- </a:t>
+            </a:r>
+            <a:r>
+              <a:rPr lang="en-US" altLang="ko-KR" dirty="0">
+                <a:hlinkClick r:id="rId5"/>
+              </a:rPr>
+              <a:t>https://</a:t>
+            </a:r>
+            <a:r>
+              <a:rPr lang="en-US" altLang="ko-KR" dirty="0" smtClean="0">
+                <a:hlinkClick r:id="rId5"/>
+              </a:rPr>
+              <a:t>github.com/Jeong-Seongwon/portfolio/tree/main/face_recogni</a:t>
+            </a:r>
+            <a:r>
+              <a:rPr lang="en-US" altLang="ko-KR" dirty="0" smtClean="0">
+                <a:hlinkClick r:id="rId5"/>
+              </a:rPr>
+              <a:t>tion</a:t>
+            </a:r>
+            <a:endParaRPr lang="en-US" altLang="ko-KR" dirty="0" smtClean="0"/>
+          </a:p>
+          <a:p>
+            <a:endParaRPr lang="en-US" altLang="ko-KR" dirty="0" smtClean="0"/>
           </a:p>
         </p:txBody>
       </p:sp>

--- a/face_recognition/Portfolio.pptx
+++ b/face_recognition/Portfolio.pptx
@@ -2624,7 +2624,7 @@
         </p:nvSpPr>
         <p:spPr>
           <a:xfrm>
-            <a:off x="1715214" y="5329416"/>
+            <a:off x="1715214" y="4747301"/>
             <a:ext cx="3299103" cy="412313"/>
           </a:xfrm>
           <a:prstGeom prst="rect">
@@ -2667,7 +2667,7 @@
         </p:nvSpPr>
         <p:spPr>
           <a:xfrm>
-            <a:off x="2468368" y="5785080"/>
+            <a:off x="2468368" y="5162459"/>
             <a:ext cx="5467945" cy="422315"/>
           </a:xfrm>
           <a:prstGeom prst="rect">
@@ -2696,6 +2696,103 @@
                 <a:cs typeface="Instrument Sans" pitchFamily="34" charset="-120"/>
               </a:rPr>
               <a:t>데이터셋 확장 및 모델 개선을 통한 정확도 제고</a:t>
+            </a:r>
+            <a:endParaRPr lang="en-US" sz="2078" dirty="0"/>
+          </a:p>
+        </p:txBody>
+      </p:sp>
+      <p:sp>
+        <p:nvSpPr>
+          <p:cNvPr id="12" name="Text 6"/>
+          <p:cNvSpPr/>
+          <p:nvPr/>
+        </p:nvSpPr>
+        <p:spPr>
+          <a:xfrm>
+            <a:off x="1715333" y="5800770"/>
+            <a:ext cx="3299103" cy="412313"/>
+          </a:xfrm>
+          <a:prstGeom prst="rect">
+            <a:avLst/>
+          </a:prstGeom>
+          <a:noFill/>
+          <a:ln/>
+        </p:spPr>
+        <p:txBody>
+          <a:bodyPr wrap="none" rtlCol="0" anchor="t"/>
+          <a:lstStyle/>
+          <a:p>
+            <a:pPr marL="457200" indent="-457200">
+              <a:lnSpc>
+                <a:spcPts val="3247"/>
+              </a:lnSpc>
+              <a:buFont typeface="Arial" panose="020B0604020202020204" pitchFamily="34" charset="0"/>
+              <a:buChar char="•"/>
+            </a:pPr>
+            <a:r>
+              <a:rPr lang="ko-KR" altLang="en-US" sz="2598" b="1" dirty="0" smtClean="0">
+                <a:solidFill>
+                  <a:srgbClr val="5B5F71"/>
+                </a:solidFill>
+                <a:latin typeface="Instrument Sans" pitchFamily="34" charset="0"/>
+                <a:ea typeface="Instrument Sans" pitchFamily="34" charset="-122"/>
+                <a:cs typeface="Instrument Sans" pitchFamily="34" charset="-120"/>
+              </a:rPr>
+              <a:t>프로그램 개선 </a:t>
+            </a:r>
+            <a:r>
+              <a:rPr lang="en-US" sz="2598" b="1" dirty="0" err="1" smtClean="0">
+                <a:solidFill>
+                  <a:srgbClr val="5B5F71"/>
+                </a:solidFill>
+                <a:latin typeface="Instrument Sans" pitchFamily="34" charset="0"/>
+                <a:ea typeface="Instrument Sans" pitchFamily="34" charset="-122"/>
+                <a:cs typeface="Instrument Sans" pitchFamily="34" charset="-120"/>
+              </a:rPr>
+              <a:t>방안</a:t>
+            </a:r>
+            <a:endParaRPr lang="en-US" sz="2598" dirty="0"/>
+          </a:p>
+        </p:txBody>
+      </p:sp>
+      <p:sp>
+        <p:nvSpPr>
+          <p:cNvPr id="13" name="Text 7"/>
+          <p:cNvSpPr/>
+          <p:nvPr/>
+        </p:nvSpPr>
+        <p:spPr>
+          <a:xfrm>
+            <a:off x="2468369" y="6167563"/>
+            <a:ext cx="5467945" cy="422315"/>
+          </a:xfrm>
+          <a:prstGeom prst="rect">
+            <a:avLst/>
+          </a:prstGeom>
+          <a:noFill/>
+          <a:ln/>
+        </p:spPr>
+        <p:txBody>
+          <a:bodyPr wrap="none" rtlCol="0" anchor="t"/>
+          <a:lstStyle/>
+          <a:p>
+            <a:pPr marL="0" indent="0">
+              <a:lnSpc>
+                <a:spcPts val="3325"/>
+              </a:lnSpc>
+              <a:buNone/>
+            </a:pPr>
+            <a:r>
+              <a:rPr lang="ko-KR" altLang="en-US" sz="2078" dirty="0" smtClean="0"/>
+              <a:t>데이터 베이스와 연결해 출결 시스템이나 </a:t>
+            </a:r>
+            <a:r>
+              <a:rPr lang="en-US" altLang="ko-KR" sz="2078" dirty="0" smtClean="0"/>
+              <a:t>IOT</a:t>
+            </a:r>
+            <a:r>
+              <a:rPr lang="ko-KR" altLang="en-US" sz="2078" dirty="0" smtClean="0"/>
+              <a:t>와 연계해서 보안 프로그램으로 개선</a:t>
             </a:r>
             <a:endParaRPr lang="en-US" sz="2078" dirty="0"/>
           </a:p>
@@ -3515,13 +3612,7 @@
               <a:rPr lang="en-US" altLang="ko-KR" dirty="0" smtClean="0">
                 <a:hlinkClick r:id="rId4"/>
               </a:rPr>
-              <a:t>github.com/Jeong-Seongwon/portfolio/tree/main/face_recogni</a:t>
-            </a:r>
-            <a:r>
-              <a:rPr lang="en-US" altLang="ko-KR" dirty="0" smtClean="0">
-                <a:hlinkClick r:id="rId4"/>
-              </a:rPr>
-              <a:t>tion</a:t>
+              <a:t>github.com/Jeong-Seongwon/portfolio/tree/main/face_recognition</a:t>
             </a:r>
             <a:endParaRPr lang="en-US" altLang="ko-KR" dirty="0" smtClean="0"/>
           </a:p>
@@ -4340,13 +4431,7 @@
               <a:rPr lang="en-US" altLang="ko-KR" dirty="0" smtClean="0">
                 <a:hlinkClick r:id="rId5"/>
               </a:rPr>
-              <a:t>github.com/Jeong-Seongwon/portfolio/tree/main/face_recogni</a:t>
-            </a:r>
-            <a:r>
-              <a:rPr lang="en-US" altLang="ko-KR" dirty="0" smtClean="0">
-                <a:hlinkClick r:id="rId5"/>
-              </a:rPr>
-              <a:t>tion</a:t>
+              <a:t>github.com/Jeong-Seongwon/portfolio/tree/main/face_recognition</a:t>
             </a:r>
             <a:endParaRPr lang="en-US" altLang="ko-KR" dirty="0" smtClean="0"/>
           </a:p>
@@ -4791,13 +4876,7 @@
               <a:rPr lang="en-US" altLang="ko-KR" dirty="0" smtClean="0">
                 <a:hlinkClick r:id="rId5"/>
               </a:rPr>
-              <a:t>github.com/Jeong-Seongwon/portfolio/tree/main/face_recogni</a:t>
-            </a:r>
-            <a:r>
-              <a:rPr lang="en-US" altLang="ko-KR" dirty="0" smtClean="0">
-                <a:hlinkClick r:id="rId5"/>
-              </a:rPr>
-              <a:t>tion</a:t>
+              <a:t>github.com/Jeong-Seongwon/portfolio/tree/main/face_recognition</a:t>
             </a:r>
             <a:endParaRPr lang="en-US" altLang="ko-KR" dirty="0" smtClean="0"/>
           </a:p>
@@ -5466,13 +5545,7 @@
               <a:rPr lang="en-US" altLang="ko-KR" dirty="0" smtClean="0">
                 <a:hlinkClick r:id="rId5"/>
               </a:rPr>
-              <a:t>github.com/Jeong-Seongwon/portfolio/tree/main/face_recogni</a:t>
-            </a:r>
-            <a:r>
-              <a:rPr lang="en-US" altLang="ko-KR" dirty="0" smtClean="0">
-                <a:hlinkClick r:id="rId5"/>
-              </a:rPr>
-              <a:t>tion</a:t>
+              <a:t>github.com/Jeong-Seongwon/portfolio/tree/main/face_recognition</a:t>
             </a:r>
             <a:endParaRPr lang="en-US" altLang="ko-KR" dirty="0" smtClean="0"/>
           </a:p>
@@ -5781,13 +5854,7 @@
               <a:rPr lang="en-US" altLang="ko-KR" dirty="0" smtClean="0">
                 <a:hlinkClick r:id="rId5"/>
               </a:rPr>
-              <a:t>github.com/Jeong-Seongwon/portfolio/tree/main/face_recogni</a:t>
-            </a:r>
-            <a:r>
-              <a:rPr lang="en-US" altLang="ko-KR" dirty="0" smtClean="0">
-                <a:hlinkClick r:id="rId5"/>
-              </a:rPr>
-              <a:t>tion</a:t>
+              <a:t>github.com/Jeong-Seongwon/portfolio/tree/main/face_recognition</a:t>
             </a:r>
             <a:endParaRPr lang="en-US" altLang="ko-KR" dirty="0" smtClean="0"/>
           </a:p>
